--- a/docs/diagrams/SortedListStartingStateListAndTreeDiagram.pptx
+++ b/docs/diagrams/SortedListStartingStateListAndTreeDiagram.pptx
@@ -241,7 +241,7 @@
           <a:p>
             <a:fld id="{8B2F8DF3-7CFE-4C7E-A62E-FD00A81FB0CD}" type="datetimeFigureOut">
               <a:rPr lang="en-US" smtClean="0"/>
-              <a:t>10/16/18</a:t>
+              <a:t>11/8/18</a:t>
             </a:fld>
             <a:endParaRPr lang="en-US"/>
           </a:p>
@@ -409,7 +409,7 @@
           <a:p>
             <a:fld id="{8B2F8DF3-7CFE-4C7E-A62E-FD00A81FB0CD}" type="datetimeFigureOut">
               <a:rPr lang="en-US" smtClean="0"/>
-              <a:t>10/16/18</a:t>
+              <a:t>11/8/18</a:t>
             </a:fld>
             <a:endParaRPr lang="en-US"/>
           </a:p>
@@ -587,7 +587,7 @@
           <a:p>
             <a:fld id="{8B2F8DF3-7CFE-4C7E-A62E-FD00A81FB0CD}" type="datetimeFigureOut">
               <a:rPr lang="en-US" smtClean="0"/>
-              <a:t>10/16/18</a:t>
+              <a:t>11/8/18</a:t>
             </a:fld>
             <a:endParaRPr lang="en-US"/>
           </a:p>
@@ -755,7 +755,7 @@
           <a:p>
             <a:fld id="{8B2F8DF3-7CFE-4C7E-A62E-FD00A81FB0CD}" type="datetimeFigureOut">
               <a:rPr lang="en-US" smtClean="0"/>
-              <a:t>10/16/18</a:t>
+              <a:t>11/8/18</a:t>
             </a:fld>
             <a:endParaRPr lang="en-US"/>
           </a:p>
@@ -1000,7 +1000,7 @@
           <a:p>
             <a:fld id="{8B2F8DF3-7CFE-4C7E-A62E-FD00A81FB0CD}" type="datetimeFigureOut">
               <a:rPr lang="en-US" smtClean="0"/>
-              <a:t>10/16/18</a:t>
+              <a:t>11/8/18</a:t>
             </a:fld>
             <a:endParaRPr lang="en-US"/>
           </a:p>
@@ -1229,7 +1229,7 @@
           <a:p>
             <a:fld id="{8B2F8DF3-7CFE-4C7E-A62E-FD00A81FB0CD}" type="datetimeFigureOut">
               <a:rPr lang="en-US" smtClean="0"/>
-              <a:t>10/16/18</a:t>
+              <a:t>11/8/18</a:t>
             </a:fld>
             <a:endParaRPr lang="en-US"/>
           </a:p>
@@ -1593,7 +1593,7 @@
           <a:p>
             <a:fld id="{8B2F8DF3-7CFE-4C7E-A62E-FD00A81FB0CD}" type="datetimeFigureOut">
               <a:rPr lang="en-US" smtClean="0"/>
-              <a:t>10/16/18</a:t>
+              <a:t>11/8/18</a:t>
             </a:fld>
             <a:endParaRPr lang="en-US"/>
           </a:p>
@@ -1710,7 +1710,7 @@
           <a:p>
             <a:fld id="{8B2F8DF3-7CFE-4C7E-A62E-FD00A81FB0CD}" type="datetimeFigureOut">
               <a:rPr lang="en-US" smtClean="0"/>
-              <a:t>10/16/18</a:t>
+              <a:t>11/8/18</a:t>
             </a:fld>
             <a:endParaRPr lang="en-US"/>
           </a:p>
@@ -1805,7 +1805,7 @@
           <a:p>
             <a:fld id="{8B2F8DF3-7CFE-4C7E-A62E-FD00A81FB0CD}" type="datetimeFigureOut">
               <a:rPr lang="en-US" smtClean="0"/>
-              <a:t>10/16/18</a:t>
+              <a:t>11/8/18</a:t>
             </a:fld>
             <a:endParaRPr lang="en-US"/>
           </a:p>
@@ -2080,7 +2080,7 @@
           <a:p>
             <a:fld id="{8B2F8DF3-7CFE-4C7E-A62E-FD00A81FB0CD}" type="datetimeFigureOut">
               <a:rPr lang="en-US" smtClean="0"/>
-              <a:t>10/16/18</a:t>
+              <a:t>11/8/18</a:t>
             </a:fld>
             <a:endParaRPr lang="en-US"/>
           </a:p>
@@ -2332,7 +2332,7 @@
           <a:p>
             <a:fld id="{8B2F8DF3-7CFE-4C7E-A62E-FD00A81FB0CD}" type="datetimeFigureOut">
               <a:rPr lang="en-US" smtClean="0"/>
-              <a:t>10/16/18</a:t>
+              <a:t>11/8/18</a:t>
             </a:fld>
             <a:endParaRPr lang="en-US"/>
           </a:p>
@@ -2543,7 +2543,7 @@
           <a:p>
             <a:fld id="{8B2F8DF3-7CFE-4C7E-A62E-FD00A81FB0CD}" type="datetimeFigureOut">
               <a:rPr lang="en-US" smtClean="0"/>
-              <a:t>10/16/18</a:t>
+              <a:t>11/8/18</a:t>
             </a:fld>
             <a:endParaRPr lang="en-US"/>
           </a:p>
@@ -2991,16 +2991,63 @@
       </p:sp>
       <p:sp>
         <p:nvSpPr>
-          <p:cNvPr id="7" name="Rectangle 6"/>
+          <p:cNvPr id="8" name="TextBox 7">
+            <a:extLst>
+              <a:ext uri="{FF2B5EF4-FFF2-40B4-BE49-F238E27FC236}">
+                <a16:creationId xmlns:a16="http://schemas.microsoft.com/office/drawing/2014/main" id="{0162DE06-C325-824C-B878-7907A78BF1A0}"/>
+              </a:ext>
+            </a:extLst>
+          </p:cNvPr>
+          <p:cNvSpPr txBox="1"/>
+          <p:nvPr/>
+        </p:nvSpPr>
+        <p:spPr>
+          <a:xfrm>
+            <a:off x="4608397" y="1488088"/>
+            <a:ext cx="3207000" cy="369332"/>
+          </a:xfrm>
+          <a:prstGeom prst="rect">
+            <a:avLst/>
+          </a:prstGeom>
+          <a:noFill/>
+        </p:spPr>
+        <p:txBody>
+          <a:bodyPr wrap="square" rtlCol="0">
+            <a:spAutoFit/>
+          </a:bodyPr>
+          <a:lstStyle/>
+          <a:p>
+            <a:pPr algn="ctr"/>
+            <a:r>
+              <a:rPr lang="en-SG" dirty="0" err="1">
+                <a:latin typeface="Consolas" panose="020B0609020204030204" pitchFamily="49" charset="0"/>
+              </a:rPr>
+              <a:t>UniquePersonListHelper</a:t>
+            </a:r>
+            <a:endParaRPr lang="en-SG" dirty="0">
+              <a:latin typeface="Consolas" panose="020B0609020204030204" pitchFamily="49" charset="0"/>
+            </a:endParaRPr>
+          </a:p>
+        </p:txBody>
+      </p:sp>
+      <p:sp>
+        <p:nvSpPr>
+          <p:cNvPr id="2" name="Triangle 1">
+            <a:extLst>
+              <a:ext uri="{FF2B5EF4-FFF2-40B4-BE49-F238E27FC236}">
+                <a16:creationId xmlns:a16="http://schemas.microsoft.com/office/drawing/2014/main" id="{0ABC9049-09C3-E04E-B212-2C17C50AD4EF}"/>
+              </a:ext>
+            </a:extLst>
+          </p:cNvPr>
           <p:cNvSpPr/>
           <p:nvPr/>
         </p:nvSpPr>
         <p:spPr>
           <a:xfrm>
-            <a:off x="529554" y="557862"/>
-            <a:ext cx="11364686" cy="618187"/>
+            <a:off x="3702598" y="1857420"/>
+            <a:ext cx="5018598" cy="4326378"/>
           </a:xfrm>
-          <a:prstGeom prst="rect">
+          <a:prstGeom prst="triangle">
             <a:avLst/>
           </a:prstGeom>
           <a:noFill/>
@@ -3037,51 +3084,10 @@
       </p:sp>
       <p:sp>
         <p:nvSpPr>
-          <p:cNvPr id="8" name="TextBox 7">
+          <p:cNvPr id="6" name="Rectangle 5">
             <a:extLst>
               <a:ext uri="{FF2B5EF4-FFF2-40B4-BE49-F238E27FC236}">
-                <a16:creationId xmlns:a16="http://schemas.microsoft.com/office/drawing/2014/main" id="{0162DE06-C325-824C-B878-7907A78BF1A0}"/>
-              </a:ext>
-            </a:extLst>
-          </p:cNvPr>
-          <p:cNvSpPr txBox="1"/>
-          <p:nvPr/>
-        </p:nvSpPr>
-        <p:spPr>
-          <a:xfrm>
-            <a:off x="4608397" y="1903723"/>
-            <a:ext cx="3207000" cy="369332"/>
-          </a:xfrm>
-          <a:prstGeom prst="rect">
-            <a:avLst/>
-          </a:prstGeom>
-          <a:noFill/>
-        </p:spPr>
-        <p:txBody>
-          <a:bodyPr wrap="square" rtlCol="0">
-            <a:spAutoFit/>
-          </a:bodyPr>
-          <a:lstStyle/>
-          <a:p>
-            <a:pPr algn="ctr"/>
-            <a:r>
-              <a:rPr lang="en-SG" dirty="0" err="1">
-                <a:latin typeface="Consolas" panose="020B0609020204030204" pitchFamily="49" charset="0"/>
-              </a:rPr>
-              <a:t>UniquePersonListHelper</a:t>
-            </a:r>
-            <a:endParaRPr lang="en-SG" dirty="0">
-              <a:latin typeface="Consolas" panose="020B0609020204030204" pitchFamily="49" charset="0"/>
-            </a:endParaRPr>
-          </a:p>
-        </p:txBody>
-      </p:sp>
-      <p:sp>
-        <p:nvSpPr>
-          <p:cNvPr id="2" name="Triangle 1">
-            <a:extLst>
-              <a:ext uri="{FF2B5EF4-FFF2-40B4-BE49-F238E27FC236}">
-                <a16:creationId xmlns:a16="http://schemas.microsoft.com/office/drawing/2014/main" id="{0ABC9049-09C3-E04E-B212-2C17C50AD4EF}"/>
+                <a16:creationId xmlns:a16="http://schemas.microsoft.com/office/drawing/2014/main" id="{A1EDAA30-E65F-544B-A609-E18D17BD646D}"/>
               </a:ext>
             </a:extLst>
           </p:cNvPr>
@@ -3090,10 +3096,10 @@
         </p:nvSpPr>
         <p:spPr>
           <a:xfrm>
-            <a:off x="3702598" y="2273055"/>
-            <a:ext cx="5018598" cy="4326378"/>
+            <a:off x="1516054" y="619652"/>
+            <a:ext cx="9391686" cy="618187"/>
           </a:xfrm>
-          <a:prstGeom prst="triangle">
+          <a:prstGeom prst="rect">
             <a:avLst/>
           </a:prstGeom>
           <a:noFill/>
